--- a/2019 DOCS/Lecture Three.pptx
+++ b/2019 DOCS/Lecture Three.pptx
@@ -111,6 +111,11 @@
       </a:defRPr>
     </a:lvl9pPr>
   </p:defaultTextStyle>
+  <p:extLst>
+    <p:ext uri="{EFAFB233-063F-42B5-8137-9DF3F51BA10A}">
+      <p15:sldGuideLst xmlns:p15="http://schemas.microsoft.com/office/powerpoint/2012/main"/>
+    </p:ext>
+  </p:extLst>
 </p:presentation>
 </file>
 
@@ -836,7 +841,7 @@
           <a:p>
             <a:fld id="{A57E3E52-BB0E-4261-901D-7FF95AED9D21}" type="datetimeFigureOut">
               <a:rPr lang="en-US" smtClean="0"/>
-              <a:t>6/13/2019</a:t>
+              <a:t>6/14/2019</a:t>
             </a:fld>
             <a:endParaRPr lang="en-US"/>
           </a:p>
@@ -1087,7 +1092,7 @@
           <a:p>
             <a:fld id="{A57E3E52-BB0E-4261-901D-7FF95AED9D21}" type="datetimeFigureOut">
               <a:rPr lang="en-US" smtClean="0"/>
-              <a:t>6/13/2019</a:t>
+              <a:t>6/14/2019</a:t>
             </a:fld>
             <a:endParaRPr lang="en-US"/>
           </a:p>
@@ -1401,7 +1406,7 @@
           <a:p>
             <a:fld id="{A57E3E52-BB0E-4261-901D-7FF95AED9D21}" type="datetimeFigureOut">
               <a:rPr lang="en-US" smtClean="0"/>
-              <a:t>6/13/2019</a:t>
+              <a:t>6/14/2019</a:t>
             </a:fld>
             <a:endParaRPr lang="en-US"/>
           </a:p>
@@ -1742,7 +1747,7 @@
           <a:p>
             <a:fld id="{A57E3E52-BB0E-4261-901D-7FF95AED9D21}" type="datetimeFigureOut">
               <a:rPr lang="en-US" smtClean="0"/>
-              <a:t>6/13/2019</a:t>
+              <a:t>6/14/2019</a:t>
             </a:fld>
             <a:endParaRPr lang="en-US"/>
           </a:p>
@@ -2056,7 +2061,7 @@
           <a:p>
             <a:fld id="{A57E3E52-BB0E-4261-901D-7FF95AED9D21}" type="datetimeFigureOut">
               <a:rPr lang="en-US" smtClean="0"/>
-              <a:t>6/13/2019</a:t>
+              <a:t>6/14/2019</a:t>
             </a:fld>
             <a:endParaRPr lang="en-US"/>
           </a:p>
@@ -2449,7 +2454,7 @@
           <a:p>
             <a:fld id="{A57E3E52-BB0E-4261-901D-7FF95AED9D21}" type="datetimeFigureOut">
               <a:rPr lang="en-US" smtClean="0"/>
-              <a:t>6/13/2019</a:t>
+              <a:t>6/14/2019</a:t>
             </a:fld>
             <a:endParaRPr lang="en-US"/>
           </a:p>
@@ -2619,7 +2624,7 @@
           <a:p>
             <a:fld id="{A57E3E52-BB0E-4261-901D-7FF95AED9D21}" type="datetimeFigureOut">
               <a:rPr lang="en-US" smtClean="0"/>
-              <a:t>6/13/2019</a:t>
+              <a:t>6/14/2019</a:t>
             </a:fld>
             <a:endParaRPr lang="en-US"/>
           </a:p>
@@ -2799,7 +2804,7 @@
           <a:p>
             <a:fld id="{A57E3E52-BB0E-4261-901D-7FF95AED9D21}" type="datetimeFigureOut">
               <a:rPr lang="en-US" smtClean="0"/>
-              <a:t>6/13/2019</a:t>
+              <a:t>6/14/2019</a:t>
             </a:fld>
             <a:endParaRPr lang="en-US"/>
           </a:p>
@@ -2975,7 +2980,7 @@
           <a:p>
             <a:fld id="{A57E3E52-BB0E-4261-901D-7FF95AED9D21}" type="datetimeFigureOut">
               <a:rPr lang="en-US" smtClean="0"/>
-              <a:t>6/13/2019</a:t>
+              <a:t>6/14/2019</a:t>
             </a:fld>
             <a:endParaRPr lang="en-US"/>
           </a:p>
@@ -3222,7 +3227,7 @@
           <a:p>
             <a:fld id="{A57E3E52-BB0E-4261-901D-7FF95AED9D21}" type="datetimeFigureOut">
               <a:rPr lang="en-US" smtClean="0"/>
-              <a:t>6/13/2019</a:t>
+              <a:t>6/14/2019</a:t>
             </a:fld>
             <a:endParaRPr lang="en-US"/>
           </a:p>
@@ -3454,7 +3459,7 @@
           <a:p>
             <a:fld id="{A57E3E52-BB0E-4261-901D-7FF95AED9D21}" type="datetimeFigureOut">
               <a:rPr lang="en-US" smtClean="0"/>
-              <a:t>6/13/2019</a:t>
+              <a:t>6/14/2019</a:t>
             </a:fld>
             <a:endParaRPr lang="en-US"/>
           </a:p>
@@ -3828,7 +3833,7 @@
           <a:p>
             <a:fld id="{A57E3E52-BB0E-4261-901D-7FF95AED9D21}" type="datetimeFigureOut">
               <a:rPr lang="en-US" smtClean="0"/>
-              <a:t>6/13/2019</a:t>
+              <a:t>6/14/2019</a:t>
             </a:fld>
             <a:endParaRPr lang="en-US"/>
           </a:p>
@@ -3951,7 +3956,7 @@
           <a:p>
             <a:fld id="{A57E3E52-BB0E-4261-901D-7FF95AED9D21}" type="datetimeFigureOut">
               <a:rPr lang="en-US" smtClean="0"/>
-              <a:t>6/13/2019</a:t>
+              <a:t>6/14/2019</a:t>
             </a:fld>
             <a:endParaRPr lang="en-US"/>
           </a:p>
@@ -4046,7 +4051,7 @@
           <a:p>
             <a:fld id="{A57E3E52-BB0E-4261-901D-7FF95AED9D21}" type="datetimeFigureOut">
               <a:rPr lang="en-US" smtClean="0"/>
-              <a:t>6/13/2019</a:t>
+              <a:t>6/14/2019</a:t>
             </a:fld>
             <a:endParaRPr lang="en-US"/>
           </a:p>
@@ -4301,7 +4306,7 @@
           <a:p>
             <a:fld id="{A57E3E52-BB0E-4261-901D-7FF95AED9D21}" type="datetimeFigureOut">
               <a:rPr lang="en-US" smtClean="0"/>
-              <a:t>6/13/2019</a:t>
+              <a:t>6/14/2019</a:t>
             </a:fld>
             <a:endParaRPr lang="en-US"/>
           </a:p>
@@ -4564,7 +4569,7 @@
           <a:p>
             <a:fld id="{A57E3E52-BB0E-4261-901D-7FF95AED9D21}" type="datetimeFigureOut">
               <a:rPr lang="en-US" smtClean="0"/>
-              <a:t>6/13/2019</a:t>
+              <a:t>6/14/2019</a:t>
             </a:fld>
             <a:endParaRPr lang="en-US"/>
           </a:p>
@@ -5307,7 +5312,7 @@
           <a:p>
             <a:fld id="{A57E3E52-BB0E-4261-901D-7FF95AED9D21}" type="datetimeFigureOut">
               <a:rPr lang="en-US" smtClean="0"/>
-              <a:t>6/13/2019</a:t>
+              <a:t>6/14/2019</a:t>
             </a:fld>
             <a:endParaRPr lang="en-US"/>
           </a:p>
@@ -6024,15 +6029,7 @@
             </a:pPr>
             <a:r>
               <a:rPr lang="en-US" dirty="0"/>
-              <a:t>Local databases (</a:t>
-            </a:r>
-            <a:r>
-              <a:rPr lang="en-US" dirty="0" err="1"/>
-              <a:t>SQLIte</a:t>
-            </a:r>
-            <a:r>
-              <a:rPr lang="en-US" dirty="0"/>
-              <a:t>, Room persistence library)</a:t>
+              <a:t>Local databases (SQLite, Room persistence library)</a:t>
             </a:r>
           </a:p>
           <a:p>
@@ -6517,7 +6514,7 @@
               <a:t>Based on our knowledge in creating an application from lecture one, we can create a new android studio project for our </a:t>
             </a:r>
             <a:r>
-              <a:rPr lang="en-US" dirty="0" err="1"/>
+              <a:rPr lang="en-US" b="1" dirty="0" err="1"/>
               <a:t>QuickNotes</a:t>
             </a:r>
             <a:r>
@@ -6883,15 +6880,7 @@
             </a:r>
             <a:r>
               <a:rPr lang="en-US" dirty="0"/>
-              <a:t>is a </a:t>
-            </a:r>
-            <a:r>
-              <a:rPr lang="en-US" dirty="0" err="1"/>
-              <a:t>messging</a:t>
-            </a:r>
-            <a:r>
-              <a:rPr lang="en-US" dirty="0"/>
-              <a:t> object you can use to request an action from another application component (such as another activity or service).</a:t>
+              <a:t>is a messaging object you can use to request an action from another application component (such as another activity or service).</a:t>
             </a:r>
           </a:p>
           <a:p>
@@ -6899,8 +6888,8 @@
               <a:buNone/>
             </a:pPr>
             <a:r>
-              <a:rPr lang="en-US" b="1" dirty="0" err="1"/>
-              <a:t>Funtions</a:t>
+              <a:rPr lang="en-US" b="1"/>
+              <a:t>Functions</a:t>
             </a:r>
             <a:r>
               <a:rPr lang="en-US" b="1" dirty="0"/>
